--- a/2-Data Analysis/8-Tableau/Tableau ALUMNOS.pptx
+++ b/2-Data Analysis/8-Tableau/Tableau ALUMNOS.pptx
@@ -18,12 +18,13 @@
     <p:sldId id="292" r:id="rId12"/>
     <p:sldId id="297" r:id="rId13"/>
     <p:sldId id="276" r:id="rId14"/>
-    <p:sldId id="272" r:id="rId15"/>
-    <p:sldId id="275" r:id="rId16"/>
-    <p:sldId id="277" r:id="rId17"/>
-    <p:sldId id="298" r:id="rId18"/>
-    <p:sldId id="279" r:id="rId19"/>
-    <p:sldId id="299" r:id="rId20"/>
+    <p:sldId id="275" r:id="rId15"/>
+    <p:sldId id="272" r:id="rId16"/>
+    <p:sldId id="300" r:id="rId17"/>
+    <p:sldId id="277" r:id="rId18"/>
+    <p:sldId id="298" r:id="rId19"/>
+    <p:sldId id="279" r:id="rId20"/>
+    <p:sldId id="299" r:id="rId21"/>
   </p:sldIdLst>
   <p:sldSz cx="12192000" cy="6858000"/>
   <p:notesSz cx="6858000" cy="9144000"/>
@@ -7006,7 +7007,7 @@
           <p:cNvPr id="3" name="Imagen 2">
             <a:extLst>
               <a:ext uri="{FF2B5EF4-FFF2-40B4-BE49-F238E27FC236}">
-                <a16:creationId xmlns:a16="http://schemas.microsoft.com/office/drawing/2014/main" id="{5FB06445-5A83-48CC-8440-951E46AE8D3D}"/>
+                <a16:creationId xmlns:a16="http://schemas.microsoft.com/office/drawing/2014/main" id="{B630027E-48A8-4A9A-A667-1C73672CCFC5}"/>
               </a:ext>
             </a:extLst>
           </p:cNvPr>
@@ -7023,8 +7024,8 @@
         </p:blipFill>
         <p:spPr>
           <a:xfrm>
-            <a:off x="0" y="193479"/>
-            <a:ext cx="12192000" cy="6471041"/>
+            <a:off x="0" y="203772"/>
+            <a:ext cx="12192000" cy="6450456"/>
           </a:xfrm>
           <a:prstGeom prst="rect">
             <a:avLst/>
@@ -7034,7 +7035,7 @@
     </p:spTree>
     <p:extLst>
       <p:ext uri="{BB962C8B-B14F-4D97-AF65-F5344CB8AC3E}">
-        <p14:creationId xmlns:p14="http://schemas.microsoft.com/office/powerpoint/2010/main" val="1728208939"/>
+        <p14:creationId xmlns:p14="http://schemas.microsoft.com/office/powerpoint/2010/main" val="3277759106"/>
       </p:ext>
     </p:extLst>
   </p:cSld>
@@ -7074,7 +7075,7 @@
           <p:cNvPr id="3" name="Imagen 2">
             <a:extLst>
               <a:ext uri="{FF2B5EF4-FFF2-40B4-BE49-F238E27FC236}">
-                <a16:creationId xmlns:a16="http://schemas.microsoft.com/office/drawing/2014/main" id="{B630027E-48A8-4A9A-A667-1C73672CCFC5}"/>
+                <a16:creationId xmlns:a16="http://schemas.microsoft.com/office/drawing/2014/main" id="{5FB06445-5A83-48CC-8440-951E46AE8D3D}"/>
               </a:ext>
             </a:extLst>
           </p:cNvPr>
@@ -7091,8 +7092,8 @@
         </p:blipFill>
         <p:spPr>
           <a:xfrm>
-            <a:off x="0" y="203772"/>
-            <a:ext cx="12192000" cy="6450456"/>
+            <a:off x="0" y="193479"/>
+            <a:ext cx="12192000" cy="6471041"/>
           </a:xfrm>
           <a:prstGeom prst="rect">
             <a:avLst/>
@@ -7102,7 +7103,7 @@
     </p:spTree>
     <p:extLst>
       <p:ext uri="{BB962C8B-B14F-4D97-AF65-F5344CB8AC3E}">
-        <p14:creationId xmlns:p14="http://schemas.microsoft.com/office/powerpoint/2010/main" val="3277759106"/>
+        <p14:creationId xmlns:p14="http://schemas.microsoft.com/office/powerpoint/2010/main" val="1728208939"/>
       </p:ext>
     </p:extLst>
   </p:cSld>
@@ -7113,6 +7114,74 @@
 </file>
 
 <file path=ppt/slides/slide16.xml><?xml version="1.0" encoding="utf-8"?>
+<p:sld xmlns:a="http://schemas.openxmlformats.org/drawingml/2006/main" xmlns:r="http://schemas.openxmlformats.org/officeDocument/2006/relationships" xmlns:p="http://schemas.openxmlformats.org/presentationml/2006/main">
+  <p:cSld>
+    <p:bg>
+      <p:bgPr>
+        <a:solidFill>
+          <a:schemeClr val="bg1"/>
+        </a:solidFill>
+        <a:effectLst/>
+      </p:bgPr>
+    </p:bg>
+    <p:spTree>
+      <p:nvGrpSpPr>
+        <p:cNvPr id="1" name=""/>
+        <p:cNvGrpSpPr/>
+        <p:nvPr/>
+      </p:nvGrpSpPr>
+      <p:grpSpPr>
+        <a:xfrm>
+          <a:off x="0" y="0"/>
+          <a:ext cx="0" cy="0"/>
+          <a:chOff x="0" y="0"/>
+          <a:chExt cx="0" cy="0"/>
+        </a:xfrm>
+      </p:grpSpPr>
+      <p:pic>
+        <p:nvPicPr>
+          <p:cNvPr id="3" name="Imagen 2">
+            <a:extLst>
+              <a:ext uri="{FF2B5EF4-FFF2-40B4-BE49-F238E27FC236}">
+                <a16:creationId xmlns:a16="http://schemas.microsoft.com/office/drawing/2014/main" id="{4D485104-B7ED-81E8-741B-6F8AD2F40B52}"/>
+              </a:ext>
+            </a:extLst>
+          </p:cNvPr>
+          <p:cNvPicPr>
+            <a:picLocks noChangeAspect="1"/>
+          </p:cNvPicPr>
+          <p:nvPr/>
+        </p:nvPicPr>
+        <p:blipFill>
+          <a:blip r:embed="rId2"/>
+          <a:stretch>
+            <a:fillRect/>
+          </a:stretch>
+        </p:blipFill>
+        <p:spPr>
+          <a:xfrm>
+            <a:off x="0" y="0"/>
+            <a:ext cx="12192000" cy="6858000"/>
+          </a:xfrm>
+          <a:prstGeom prst="rect">
+            <a:avLst/>
+          </a:prstGeom>
+        </p:spPr>
+      </p:pic>
+    </p:spTree>
+    <p:extLst>
+      <p:ext uri="{BB962C8B-B14F-4D97-AF65-F5344CB8AC3E}">
+        <p14:creationId xmlns:p14="http://schemas.microsoft.com/office/powerpoint/2010/main" val="2287443447"/>
+      </p:ext>
+    </p:extLst>
+  </p:cSld>
+  <p:clrMapOvr>
+    <a:masterClrMapping/>
+  </p:clrMapOvr>
+</p:sld>
+</file>
+
+<file path=ppt/slides/slide17.xml><?xml version="1.0" encoding="utf-8"?>
 <p:sld xmlns:a="http://schemas.openxmlformats.org/drawingml/2006/main" xmlns:r="http://schemas.openxmlformats.org/officeDocument/2006/relationships" xmlns:p="http://schemas.openxmlformats.org/presentationml/2006/main">
   <p:cSld>
     <p:bg>
@@ -7180,7 +7249,7 @@
 </p:sld>
 </file>
 
-<file path=ppt/slides/slide17.xml><?xml version="1.0" encoding="utf-8"?>
+<file path=ppt/slides/slide18.xml><?xml version="1.0" encoding="utf-8"?>
 <p:sld xmlns:a="http://schemas.openxmlformats.org/drawingml/2006/main" xmlns:r="http://schemas.openxmlformats.org/officeDocument/2006/relationships" xmlns:p="http://schemas.openxmlformats.org/presentationml/2006/main">
   <p:cSld>
     <p:bg>
@@ -7383,7 +7452,7 @@
 </p:sld>
 </file>
 
-<file path=ppt/slides/slide18.xml><?xml version="1.0" encoding="utf-8"?>
+<file path=ppt/slides/slide19.xml><?xml version="1.0" encoding="utf-8"?>
 <p:sld xmlns:a="http://schemas.openxmlformats.org/drawingml/2006/main" xmlns:r="http://schemas.openxmlformats.org/officeDocument/2006/relationships" xmlns:p="http://schemas.openxmlformats.org/presentationml/2006/main">
   <p:cSld>
     <p:bg>
@@ -7451,201 +7520,6 @@
 </p:sld>
 </file>
 
-<file path=ppt/slides/slide19.xml><?xml version="1.0" encoding="utf-8"?>
-<p:sld xmlns:a="http://schemas.openxmlformats.org/drawingml/2006/main" xmlns:r="http://schemas.openxmlformats.org/officeDocument/2006/relationships" xmlns:p="http://schemas.openxmlformats.org/presentationml/2006/main">
-  <p:cSld>
-    <p:spTree>
-      <p:nvGrpSpPr>
-        <p:cNvPr id="1" name=""/>
-        <p:cNvGrpSpPr/>
-        <p:nvPr/>
-      </p:nvGrpSpPr>
-      <p:grpSpPr>
-        <a:xfrm>
-          <a:off x="0" y="0"/>
-          <a:ext cx="0" cy="0"/>
-          <a:chOff x="0" y="0"/>
-          <a:chExt cx="0" cy="0"/>
-        </a:xfrm>
-      </p:grpSpPr>
-      <p:pic>
-        <p:nvPicPr>
-          <p:cNvPr id="25" name="Picture 3">
-            <a:extLst>
-              <a:ext uri="{FF2B5EF4-FFF2-40B4-BE49-F238E27FC236}">
-                <a16:creationId xmlns:a16="http://schemas.microsoft.com/office/drawing/2014/main" id="{3146BEE3-FB73-47CC-814F-150C25BD7434}"/>
-              </a:ext>
-            </a:extLst>
-          </p:cNvPr>
-          <p:cNvPicPr>
-            <a:picLocks noChangeAspect="1"/>
-          </p:cNvPicPr>
-          <p:nvPr/>
-        </p:nvPicPr>
-        <p:blipFill rotWithShape="1">
-          <a:blip r:embed="rId2"/>
-          <a:srcRect t="6266" b="3373"/>
-          <a:stretch/>
-        </p:blipFill>
-        <p:spPr>
-          <a:xfrm>
-            <a:off x="0" y="1"/>
-            <a:ext cx="12191980" cy="6857999"/>
-          </a:xfrm>
-          <a:prstGeom prst="rect">
-            <a:avLst/>
-          </a:prstGeom>
-        </p:spPr>
-      </p:pic>
-      <p:sp>
-        <p:nvSpPr>
-          <p:cNvPr id="2" name="Título 1">
-            <a:extLst>
-              <a:ext uri="{FF2B5EF4-FFF2-40B4-BE49-F238E27FC236}">
-                <a16:creationId xmlns:a16="http://schemas.microsoft.com/office/drawing/2014/main" id="{715AE420-84A1-4894-A394-F351A3A47F09}"/>
-              </a:ext>
-            </a:extLst>
-          </p:cNvPr>
-          <p:cNvSpPr>
-            <a:spLocks noGrp="1"/>
-          </p:cNvSpPr>
-          <p:nvPr>
-            <p:ph type="ctrTitle"/>
-          </p:nvPr>
-        </p:nvSpPr>
-        <p:spPr>
-          <a:xfrm>
-            <a:off x="3038384" y="1229888"/>
-            <a:ext cx="6359636" cy="2866405"/>
-          </a:xfrm>
-          <a:solidFill>
-            <a:schemeClr val="dk1">
-              <a:alpha val="50000"/>
-            </a:schemeClr>
-          </a:solidFill>
-          <a:ln>
-            <a:noFill/>
-          </a:ln>
-        </p:spPr>
-        <p:style>
-          <a:lnRef idx="0">
-            <a:scrgbClr r="0" g="0" b="0"/>
-          </a:lnRef>
-          <a:fillRef idx="0">
-            <a:scrgbClr r="0" g="0" b="0"/>
-          </a:fillRef>
-          <a:effectRef idx="0">
-            <a:scrgbClr r="0" g="0" b="0"/>
-          </a:effectRef>
-          <a:fontRef idx="minor">
-            <a:schemeClr val="lt1"/>
-          </a:fontRef>
-        </p:style>
-        <p:txBody>
-          <a:bodyPr>
-            <a:noAutofit/>
-          </a:bodyPr>
-          <a:lstStyle/>
-          <a:p>
-            <a:r>
-              <a:rPr lang="es-ES" sz="8800" dirty="0">
-                <a:solidFill>
-                  <a:srgbClr val="FF0000"/>
-                </a:solidFill>
-              </a:rPr>
-              <a:t>¡Muchas gracias!</a:t>
-            </a:r>
-          </a:p>
-        </p:txBody>
-      </p:sp>
-      <p:sp>
-        <p:nvSpPr>
-          <p:cNvPr id="3" name="Subtítulo 2">
-            <a:extLst>
-              <a:ext uri="{FF2B5EF4-FFF2-40B4-BE49-F238E27FC236}">
-                <a16:creationId xmlns:a16="http://schemas.microsoft.com/office/drawing/2014/main" id="{FFFBFB07-2837-482D-9FB5-5E21573A6808}"/>
-              </a:ext>
-            </a:extLst>
-          </p:cNvPr>
-          <p:cNvSpPr>
-            <a:spLocks noGrp="1"/>
-          </p:cNvSpPr>
-          <p:nvPr>
-            <p:ph type="subTitle" idx="1"/>
-          </p:nvPr>
-        </p:nvSpPr>
-        <p:spPr>
-          <a:xfrm>
-            <a:off x="4150933" y="4405159"/>
-            <a:ext cx="4134538" cy="1475177"/>
-          </a:xfrm>
-        </p:spPr>
-        <p:txBody>
-          <a:bodyPr>
-            <a:normAutofit/>
-          </a:bodyPr>
-          <a:lstStyle/>
-          <a:p>
-            <a:r>
-              <a:rPr lang="es-ES" sz="1600" dirty="0"/>
-              <a:t>Julia María Martínez Tapia</a:t>
-            </a:r>
-          </a:p>
-          <a:p>
-            <a:r>
-              <a:rPr lang="es-ES" sz="1400" b="0" i="0" dirty="0">
-                <a:effectLst/>
-                <a:latin typeface="-apple-system"/>
-              </a:rPr>
-              <a:t>www.linkedin.com/in/juliamariamartineztapia</a:t>
-            </a:r>
-            <a:endParaRPr lang="es-ES" sz="1600" dirty="0"/>
-          </a:p>
-        </p:txBody>
-      </p:sp>
-      <p:pic>
-        <p:nvPicPr>
-          <p:cNvPr id="4" name="Imagen 3">
-            <a:extLst>
-              <a:ext uri="{FF2B5EF4-FFF2-40B4-BE49-F238E27FC236}">
-                <a16:creationId xmlns:a16="http://schemas.microsoft.com/office/drawing/2014/main" id="{08440343-B54C-D1F3-EF8D-B3559A967042}"/>
-              </a:ext>
-            </a:extLst>
-          </p:cNvPr>
-          <p:cNvPicPr>
-            <a:picLocks noChangeAspect="1"/>
-          </p:cNvPicPr>
-          <p:nvPr/>
-        </p:nvPicPr>
-        <p:blipFill>
-          <a:blip r:embed="rId3"/>
-          <a:stretch>
-            <a:fillRect/>
-          </a:stretch>
-        </p:blipFill>
-        <p:spPr>
-          <a:xfrm>
-            <a:off x="9582935" y="6135916"/>
-            <a:ext cx="2533650" cy="638175"/>
-          </a:xfrm>
-          <a:prstGeom prst="rect">
-            <a:avLst/>
-          </a:prstGeom>
-        </p:spPr>
-      </p:pic>
-    </p:spTree>
-    <p:extLst>
-      <p:ext uri="{BB962C8B-B14F-4D97-AF65-F5344CB8AC3E}">
-        <p14:creationId xmlns:p14="http://schemas.microsoft.com/office/powerpoint/2010/main" val="17955027"/>
-      </p:ext>
-    </p:extLst>
-  </p:cSld>
-  <p:clrMapOvr>
-    <a:overrideClrMapping bg1="dk1" tx1="lt1" bg2="dk2" tx2="lt2" accent1="accent1" accent2="accent2" accent3="accent3" accent4="accent4" accent5="accent5" accent6="accent6" hlink="hlink" folHlink="folHlink"/>
-  </p:clrMapOvr>
-</p:sld>
-</file>
-
 <file path=ppt/slides/slide2.xml><?xml version="1.0" encoding="utf-8"?>
 <p:sld xmlns:a="http://schemas.openxmlformats.org/drawingml/2006/main" xmlns:r="http://schemas.openxmlformats.org/officeDocument/2006/relationships" xmlns:p="http://schemas.openxmlformats.org/presentationml/2006/main">
   <p:cSld>
@@ -7845,6 +7719,201 @@
   </p:cSld>
   <p:clrMapOvr>
     <a:masterClrMapping/>
+  </p:clrMapOvr>
+</p:sld>
+</file>
+
+<file path=ppt/slides/slide20.xml><?xml version="1.0" encoding="utf-8"?>
+<p:sld xmlns:a="http://schemas.openxmlformats.org/drawingml/2006/main" xmlns:r="http://schemas.openxmlformats.org/officeDocument/2006/relationships" xmlns:p="http://schemas.openxmlformats.org/presentationml/2006/main">
+  <p:cSld>
+    <p:spTree>
+      <p:nvGrpSpPr>
+        <p:cNvPr id="1" name=""/>
+        <p:cNvGrpSpPr/>
+        <p:nvPr/>
+      </p:nvGrpSpPr>
+      <p:grpSpPr>
+        <a:xfrm>
+          <a:off x="0" y="0"/>
+          <a:ext cx="0" cy="0"/>
+          <a:chOff x="0" y="0"/>
+          <a:chExt cx="0" cy="0"/>
+        </a:xfrm>
+      </p:grpSpPr>
+      <p:pic>
+        <p:nvPicPr>
+          <p:cNvPr id="25" name="Picture 3">
+            <a:extLst>
+              <a:ext uri="{FF2B5EF4-FFF2-40B4-BE49-F238E27FC236}">
+                <a16:creationId xmlns:a16="http://schemas.microsoft.com/office/drawing/2014/main" id="{3146BEE3-FB73-47CC-814F-150C25BD7434}"/>
+              </a:ext>
+            </a:extLst>
+          </p:cNvPr>
+          <p:cNvPicPr>
+            <a:picLocks noChangeAspect="1"/>
+          </p:cNvPicPr>
+          <p:nvPr/>
+        </p:nvPicPr>
+        <p:blipFill rotWithShape="1">
+          <a:blip r:embed="rId2"/>
+          <a:srcRect t="6266" b="3373"/>
+          <a:stretch/>
+        </p:blipFill>
+        <p:spPr>
+          <a:xfrm>
+            <a:off x="0" y="1"/>
+            <a:ext cx="12191980" cy="6857999"/>
+          </a:xfrm>
+          <a:prstGeom prst="rect">
+            <a:avLst/>
+          </a:prstGeom>
+        </p:spPr>
+      </p:pic>
+      <p:sp>
+        <p:nvSpPr>
+          <p:cNvPr id="2" name="Título 1">
+            <a:extLst>
+              <a:ext uri="{FF2B5EF4-FFF2-40B4-BE49-F238E27FC236}">
+                <a16:creationId xmlns:a16="http://schemas.microsoft.com/office/drawing/2014/main" id="{715AE420-84A1-4894-A394-F351A3A47F09}"/>
+              </a:ext>
+            </a:extLst>
+          </p:cNvPr>
+          <p:cNvSpPr>
+            <a:spLocks noGrp="1"/>
+          </p:cNvSpPr>
+          <p:nvPr>
+            <p:ph type="ctrTitle"/>
+          </p:nvPr>
+        </p:nvSpPr>
+        <p:spPr>
+          <a:xfrm>
+            <a:off x="3038384" y="1229888"/>
+            <a:ext cx="6359636" cy="2866405"/>
+          </a:xfrm>
+          <a:solidFill>
+            <a:schemeClr val="dk1">
+              <a:alpha val="50000"/>
+            </a:schemeClr>
+          </a:solidFill>
+          <a:ln>
+            <a:noFill/>
+          </a:ln>
+        </p:spPr>
+        <p:style>
+          <a:lnRef idx="0">
+            <a:scrgbClr r="0" g="0" b="0"/>
+          </a:lnRef>
+          <a:fillRef idx="0">
+            <a:scrgbClr r="0" g="0" b="0"/>
+          </a:fillRef>
+          <a:effectRef idx="0">
+            <a:scrgbClr r="0" g="0" b="0"/>
+          </a:effectRef>
+          <a:fontRef idx="minor">
+            <a:schemeClr val="lt1"/>
+          </a:fontRef>
+        </p:style>
+        <p:txBody>
+          <a:bodyPr>
+            <a:noAutofit/>
+          </a:bodyPr>
+          <a:lstStyle/>
+          <a:p>
+            <a:r>
+              <a:rPr lang="es-ES" sz="8800" dirty="0">
+                <a:solidFill>
+                  <a:srgbClr val="FF0000"/>
+                </a:solidFill>
+              </a:rPr>
+              <a:t>¡Muchas gracias!</a:t>
+            </a:r>
+          </a:p>
+        </p:txBody>
+      </p:sp>
+      <p:sp>
+        <p:nvSpPr>
+          <p:cNvPr id="3" name="Subtítulo 2">
+            <a:extLst>
+              <a:ext uri="{FF2B5EF4-FFF2-40B4-BE49-F238E27FC236}">
+                <a16:creationId xmlns:a16="http://schemas.microsoft.com/office/drawing/2014/main" id="{FFFBFB07-2837-482D-9FB5-5E21573A6808}"/>
+              </a:ext>
+            </a:extLst>
+          </p:cNvPr>
+          <p:cNvSpPr>
+            <a:spLocks noGrp="1"/>
+          </p:cNvSpPr>
+          <p:nvPr>
+            <p:ph type="subTitle" idx="1"/>
+          </p:nvPr>
+        </p:nvSpPr>
+        <p:spPr>
+          <a:xfrm>
+            <a:off x="4150933" y="4405159"/>
+            <a:ext cx="4134538" cy="1475177"/>
+          </a:xfrm>
+        </p:spPr>
+        <p:txBody>
+          <a:bodyPr>
+            <a:normAutofit/>
+          </a:bodyPr>
+          <a:lstStyle/>
+          <a:p>
+            <a:r>
+              <a:rPr lang="es-ES" sz="1600" dirty="0"/>
+              <a:t>Julia María Martínez Tapia</a:t>
+            </a:r>
+          </a:p>
+          <a:p>
+            <a:r>
+              <a:rPr lang="es-ES" sz="1400" b="0" i="0" dirty="0">
+                <a:effectLst/>
+                <a:latin typeface="-apple-system"/>
+              </a:rPr>
+              <a:t>www.linkedin.com/in/juliamariamartineztapia</a:t>
+            </a:r>
+            <a:endParaRPr lang="es-ES" sz="1600" dirty="0"/>
+          </a:p>
+        </p:txBody>
+      </p:sp>
+      <p:pic>
+        <p:nvPicPr>
+          <p:cNvPr id="4" name="Imagen 3">
+            <a:extLst>
+              <a:ext uri="{FF2B5EF4-FFF2-40B4-BE49-F238E27FC236}">
+                <a16:creationId xmlns:a16="http://schemas.microsoft.com/office/drawing/2014/main" id="{08440343-B54C-D1F3-EF8D-B3559A967042}"/>
+              </a:ext>
+            </a:extLst>
+          </p:cNvPr>
+          <p:cNvPicPr>
+            <a:picLocks noChangeAspect="1"/>
+          </p:cNvPicPr>
+          <p:nvPr/>
+        </p:nvPicPr>
+        <p:blipFill>
+          <a:blip r:embed="rId3"/>
+          <a:stretch>
+            <a:fillRect/>
+          </a:stretch>
+        </p:blipFill>
+        <p:spPr>
+          <a:xfrm>
+            <a:off x="9582935" y="6135916"/>
+            <a:ext cx="2533650" cy="638175"/>
+          </a:xfrm>
+          <a:prstGeom prst="rect">
+            <a:avLst/>
+          </a:prstGeom>
+        </p:spPr>
+      </p:pic>
+    </p:spTree>
+    <p:extLst>
+      <p:ext uri="{BB962C8B-B14F-4D97-AF65-F5344CB8AC3E}">
+        <p14:creationId xmlns:p14="http://schemas.microsoft.com/office/powerpoint/2010/main" val="17955027"/>
+      </p:ext>
+    </p:extLst>
+  </p:cSld>
+  <p:clrMapOvr>
+    <a:overrideClrMapping bg1="dk1" tx1="lt1" bg2="dk2" tx2="lt2" accent1="accent1" accent2="accent2" accent3="accent3" accent4="accent4" accent5="accent5" accent6="accent6" hlink="hlink" folHlink="folHlink"/>
   </p:clrMapOvr>
 </p:sld>
 </file>
